--- a/1 - Avant Projet/2 - Outils/13 - E.ME..pptx
+++ b/1 - Avant Projet/2 - Outils/13 - E.ME..pptx
@@ -104,6 +104,11 @@
       </a:defRPr>
     </a:lvl9pPr>
   </p:defaultTextStyle>
+  <p:extLst>
+    <p:ext uri="{EFAFB233-063F-42B5-8137-9DF3F51BA10A}">
+      <p15:sldGuideLst xmlns:p15="http://schemas.microsoft.com/office/powerpoint/2012/main"/>
+    </p:ext>
+  </p:extLst>
 </p:presentation>
 </file>
 
@@ -238,7 +243,7 @@
           <a:p>
             <a:fld id="{206D6F7D-CF88-4B3B-B15D-6F725867670E}" type="datetimeFigureOut">
               <a:rPr lang="fr-FR" smtClean="0"/>
-              <a:t>20/05/2018</a:t>
+              <a:t>28/05/2018</a:t>
             </a:fld>
             <a:endParaRPr lang="fr-FR"/>
           </a:p>
@@ -408,7 +413,7 @@
           <a:p>
             <a:fld id="{206D6F7D-CF88-4B3B-B15D-6F725867670E}" type="datetimeFigureOut">
               <a:rPr lang="fr-FR" smtClean="0"/>
-              <a:t>20/05/2018</a:t>
+              <a:t>28/05/2018</a:t>
             </a:fld>
             <a:endParaRPr lang="fr-FR"/>
           </a:p>
@@ -588,7 +593,7 @@
           <a:p>
             <a:fld id="{206D6F7D-CF88-4B3B-B15D-6F725867670E}" type="datetimeFigureOut">
               <a:rPr lang="fr-FR" smtClean="0"/>
-              <a:t>20/05/2018</a:t>
+              <a:t>28/05/2018</a:t>
             </a:fld>
             <a:endParaRPr lang="fr-FR"/>
           </a:p>
@@ -758,7 +763,7 @@
           <a:p>
             <a:fld id="{206D6F7D-CF88-4B3B-B15D-6F725867670E}" type="datetimeFigureOut">
               <a:rPr lang="fr-FR" smtClean="0"/>
-              <a:t>20/05/2018</a:t>
+              <a:t>28/05/2018</a:t>
             </a:fld>
             <a:endParaRPr lang="fr-FR"/>
           </a:p>
@@ -1004,7 +1009,7 @@
           <a:p>
             <a:fld id="{206D6F7D-CF88-4B3B-B15D-6F725867670E}" type="datetimeFigureOut">
               <a:rPr lang="fr-FR" smtClean="0"/>
-              <a:t>20/05/2018</a:t>
+              <a:t>28/05/2018</a:t>
             </a:fld>
             <a:endParaRPr lang="fr-FR"/>
           </a:p>
@@ -1236,7 +1241,7 @@
           <a:p>
             <a:fld id="{206D6F7D-CF88-4B3B-B15D-6F725867670E}" type="datetimeFigureOut">
               <a:rPr lang="fr-FR" smtClean="0"/>
-              <a:t>20/05/2018</a:t>
+              <a:t>28/05/2018</a:t>
             </a:fld>
             <a:endParaRPr lang="fr-FR"/>
           </a:p>
@@ -1603,7 +1608,7 @@
           <a:p>
             <a:fld id="{206D6F7D-CF88-4B3B-B15D-6F725867670E}" type="datetimeFigureOut">
               <a:rPr lang="fr-FR" smtClean="0"/>
-              <a:t>20/05/2018</a:t>
+              <a:t>28/05/2018</a:t>
             </a:fld>
             <a:endParaRPr lang="fr-FR"/>
           </a:p>
@@ -1721,7 +1726,7 @@
           <a:p>
             <a:fld id="{206D6F7D-CF88-4B3B-B15D-6F725867670E}" type="datetimeFigureOut">
               <a:rPr lang="fr-FR" smtClean="0"/>
-              <a:t>20/05/2018</a:t>
+              <a:t>28/05/2018</a:t>
             </a:fld>
             <a:endParaRPr lang="fr-FR"/>
           </a:p>
@@ -1816,7 +1821,7 @@
           <a:p>
             <a:fld id="{206D6F7D-CF88-4B3B-B15D-6F725867670E}" type="datetimeFigureOut">
               <a:rPr lang="fr-FR" smtClean="0"/>
-              <a:t>20/05/2018</a:t>
+              <a:t>28/05/2018</a:t>
             </a:fld>
             <a:endParaRPr lang="fr-FR"/>
           </a:p>
@@ -2093,7 +2098,7 @@
           <a:p>
             <a:fld id="{206D6F7D-CF88-4B3B-B15D-6F725867670E}" type="datetimeFigureOut">
               <a:rPr lang="fr-FR" smtClean="0"/>
-              <a:t>20/05/2018</a:t>
+              <a:t>28/05/2018</a:t>
             </a:fld>
             <a:endParaRPr lang="fr-FR"/>
           </a:p>
@@ -2346,7 +2351,7 @@
           <a:p>
             <a:fld id="{206D6F7D-CF88-4B3B-B15D-6F725867670E}" type="datetimeFigureOut">
               <a:rPr lang="fr-FR" smtClean="0"/>
-              <a:t>20/05/2018</a:t>
+              <a:t>28/05/2018</a:t>
             </a:fld>
             <a:endParaRPr lang="fr-FR"/>
           </a:p>
@@ -2559,7 +2564,7 @@
           <a:p>
             <a:fld id="{206D6F7D-CF88-4B3B-B15D-6F725867670E}" type="datetimeFigureOut">
               <a:rPr lang="fr-FR" smtClean="0"/>
-              <a:t>20/05/2018</a:t>
+              <a:t>28/05/2018</a:t>
             </a:fld>
             <a:endParaRPr lang="fr-FR"/>
           </a:p>
@@ -3079,7 +3084,7 @@
         <p:spPr>
           <a:xfrm>
             <a:off x="5000446" y="5259728"/>
-            <a:ext cx="2869720" cy="646331"/>
+            <a:ext cx="2869720" cy="1200329"/>
           </a:xfrm>
           <a:prstGeom prst="rect">
             <a:avLst/>
@@ -3095,7 +3100,11 @@
             <a:pPr algn="ctr"/>
             <a:r>
               <a:rPr lang="fr-FR" dirty="0" smtClean="0"/>
-              <a:t>NORMES ( de programmation)</a:t>
+              <a:t>NORMES ( de </a:t>
+            </a:r>
+            <a:r>
+              <a:rPr lang="fr-FR" dirty="0" smtClean="0"/>
+              <a:t>programmation, permettant ainsi l’amélioration par d’autres personnes)</a:t>
             </a:r>
             <a:endParaRPr lang="fr-FR" dirty="0"/>
           </a:p>
@@ -3128,6 +3137,194 @@
               <a:rPr lang="fr-FR" dirty="0" smtClean="0"/>
               <a:t>TEMPS IMPARTI</a:t>
             </a:r>
+          </a:p>
+        </p:txBody>
+      </p:sp>
+      <p:sp>
+        <p:nvSpPr>
+          <p:cNvPr id="9" name="ZoneTexte 8"/>
+          <p:cNvSpPr txBox="1"/>
+          <p:nvPr/>
+        </p:nvSpPr>
+        <p:spPr>
+          <a:xfrm>
+            <a:off x="1337733" y="1490766"/>
+            <a:ext cx="3441301" cy="369332"/>
+          </a:xfrm>
+          <a:prstGeom prst="rect">
+            <a:avLst/>
+          </a:prstGeom>
+          <a:noFill/>
+        </p:spPr>
+        <p:txBody>
+          <a:bodyPr wrap="square" rtlCol="0">
+            <a:spAutoFit/>
+          </a:bodyPr>
+          <a:lstStyle/>
+          <a:p>
+            <a:pPr algn="ctr"/>
+            <a:r>
+              <a:rPr lang="fr-FR" dirty="0" smtClean="0"/>
+              <a:t>ETUDIANT CONCEPTEUR DU JEU</a:t>
+            </a:r>
+          </a:p>
+        </p:txBody>
+      </p:sp>
+      <p:sp>
+        <p:nvSpPr>
+          <p:cNvPr id="10" name="ZoneTexte 9"/>
+          <p:cNvSpPr txBox="1"/>
+          <p:nvPr/>
+        </p:nvSpPr>
+        <p:spPr>
+          <a:xfrm>
+            <a:off x="7782941" y="1490766"/>
+            <a:ext cx="3441301" cy="369332"/>
+          </a:xfrm>
+          <a:prstGeom prst="rect">
+            <a:avLst/>
+          </a:prstGeom>
+          <a:noFill/>
+        </p:spPr>
+        <p:txBody>
+          <a:bodyPr wrap="square" rtlCol="0">
+            <a:spAutoFit/>
+          </a:bodyPr>
+          <a:lstStyle/>
+          <a:p>
+            <a:pPr algn="ctr"/>
+            <a:r>
+              <a:rPr lang="fr-FR" dirty="0" smtClean="0"/>
+              <a:t>ETUDIANT UTILISATEUR DU JEU</a:t>
+            </a:r>
+          </a:p>
+        </p:txBody>
+      </p:sp>
+      <p:sp>
+        <p:nvSpPr>
+          <p:cNvPr id="11" name="ZoneTexte 10"/>
+          <p:cNvSpPr txBox="1"/>
+          <p:nvPr/>
+        </p:nvSpPr>
+        <p:spPr>
+          <a:xfrm>
+            <a:off x="1506746" y="4751896"/>
+            <a:ext cx="2869720" cy="369332"/>
+          </a:xfrm>
+          <a:prstGeom prst="rect">
+            <a:avLst/>
+          </a:prstGeom>
+          <a:noFill/>
+        </p:spPr>
+        <p:txBody>
+          <a:bodyPr wrap="square" rtlCol="0">
+            <a:spAutoFit/>
+          </a:bodyPr>
+          <a:lstStyle/>
+          <a:p>
+            <a:pPr algn="ctr"/>
+            <a:r>
+              <a:rPr lang="fr-FR" dirty="0" smtClean="0"/>
+              <a:t>RAPPORT AVEC DUT MMI</a:t>
+            </a:r>
+          </a:p>
+        </p:txBody>
+      </p:sp>
+      <p:sp>
+        <p:nvSpPr>
+          <p:cNvPr id="12" name="ZoneTexte 11"/>
+          <p:cNvSpPr txBox="1"/>
+          <p:nvPr/>
+        </p:nvSpPr>
+        <p:spPr>
+          <a:xfrm>
+            <a:off x="-117415" y="15965"/>
+            <a:ext cx="5724585" cy="461665"/>
+          </a:xfrm>
+          <a:prstGeom prst="rect">
+            <a:avLst/>
+          </a:prstGeom>
+          <a:noFill/>
+        </p:spPr>
+        <p:txBody>
+          <a:bodyPr wrap="square" rtlCol="0">
+            <a:spAutoFit/>
+          </a:bodyPr>
+          <a:lstStyle/>
+          <a:p>
+            <a:pPr algn="ctr"/>
+            <a:r>
+              <a:rPr lang="fr-FR" sz="2400" dirty="0" smtClean="0">
+                <a:solidFill>
+                  <a:srgbClr val="FF0000"/>
+                </a:solidFill>
+                <a:latin typeface="Roboto Bk" pitchFamily="2" charset="0"/>
+                <a:ea typeface="Roboto Bk" pitchFamily="2" charset="0"/>
+              </a:rPr>
+              <a:t>ELEMENTS DU MILEU EXTERIEUR</a:t>
+            </a:r>
+          </a:p>
+        </p:txBody>
+      </p:sp>
+      <p:sp>
+        <p:nvSpPr>
+          <p:cNvPr id="13" name="ZoneTexte 12"/>
+          <p:cNvSpPr txBox="1"/>
+          <p:nvPr/>
+        </p:nvSpPr>
+        <p:spPr>
+          <a:xfrm>
+            <a:off x="8907732" y="2282965"/>
+            <a:ext cx="3441301" cy="369332"/>
+          </a:xfrm>
+          <a:prstGeom prst="rect">
+            <a:avLst/>
+          </a:prstGeom>
+          <a:noFill/>
+        </p:spPr>
+        <p:txBody>
+          <a:bodyPr wrap="square" rtlCol="0">
+            <a:spAutoFit/>
+          </a:bodyPr>
+          <a:lstStyle/>
+          <a:p>
+            <a:pPr algn="ctr"/>
+            <a:r>
+              <a:rPr lang="fr-FR" dirty="0" smtClean="0"/>
+              <a:t>EDUQUER L’UTILISATEUR</a:t>
+            </a:r>
+            <a:endParaRPr lang="fr-FR" dirty="0" smtClean="0"/>
+          </a:p>
+        </p:txBody>
+      </p:sp>
+      <p:sp>
+        <p:nvSpPr>
+          <p:cNvPr id="14" name="ZoneTexte 13"/>
+          <p:cNvSpPr txBox="1"/>
+          <p:nvPr/>
+        </p:nvSpPr>
+        <p:spPr>
+          <a:xfrm>
+            <a:off x="8068731" y="4796157"/>
+            <a:ext cx="2869720" cy="646331"/>
+          </a:xfrm>
+          <a:prstGeom prst="rect">
+            <a:avLst/>
+          </a:prstGeom>
+          <a:noFill/>
+        </p:spPr>
+        <p:txBody>
+          <a:bodyPr wrap="square" rtlCol="0">
+            <a:spAutoFit/>
+          </a:bodyPr>
+          <a:lstStyle/>
+          <a:p>
+            <a:pPr algn="ctr"/>
+            <a:r>
+              <a:rPr lang="fr-FR" dirty="0" smtClean="0"/>
+              <a:t>DIFFERENTS SYSTEMES D’EXPLOITATION</a:t>
+            </a:r>
+            <a:endParaRPr lang="fr-FR" dirty="0" smtClean="0"/>
           </a:p>
         </p:txBody>
       </p:sp>
